--- a/doc/task04/Task4_presentation.pptx
+++ b/doc/task04/Task4_presentation.pptx
@@ -239,7 +239,7 @@
             <a:pPr rtl="0"/>
             <a:fld id="{573179EB-719E-4C37-891A-D1EF76B57FF5}" type="datetime1">
               <a:rPr lang="de-DE" smtClean="0"/>
-              <a:t>25.04.2020</a:t>
+              <a:t>26.04.2020</a:t>
             </a:fld>
             <a:endParaRPr lang="de-DE" dirty="0"/>
           </a:p>
@@ -409,7 +409,7 @@
             <a:pPr rtl="0"/>
             <a:fld id="{059C204C-0006-49DE-83E0-D2881F3E7E9C}" type="datetime1">
               <a:rPr lang="de-DE" noProof="0" smtClean="0"/>
-              <a:t>25.04.2020</a:t>
+              <a:t>26.04.2020</a:t>
             </a:fld>
             <a:endParaRPr lang="de-DE" noProof="0" dirty="0"/>
           </a:p>
@@ -1561,7 +1561,7 @@
             <a:pPr rtl="0"/>
             <a:fld id="{DC754B4E-5CE8-402D-9E02-2CC2D7E4ED7D}" type="datetime1">
               <a:rPr lang="de-DE" noProof="0" smtClean="0"/>
-              <a:t>25.04.2020</a:t>
+              <a:t>26.04.2020</a:t>
             </a:fld>
             <a:endParaRPr lang="de-DE" noProof="0" dirty="0"/>
           </a:p>
@@ -2225,7 +2225,7 @@
             <a:pPr rtl="0"/>
             <a:fld id="{E7A323BD-DC0C-4FC5-AD5B-ECA4E30AEC4B}" type="datetime1">
               <a:rPr lang="de-DE" noProof="0" smtClean="0"/>
-              <a:t>25.04.2020</a:t>
+              <a:t>26.04.2020</a:t>
             </a:fld>
             <a:endParaRPr lang="de-DE" noProof="0" dirty="0"/>
           </a:p>
@@ -3160,7 +3160,7 @@
                 <a:latin typeface="Segoe UI Light" panose="020B0502040204020203" pitchFamily="34" charset="0"/>
                 <a:cs typeface="Segoe UI Light" panose="020B0502040204020203" pitchFamily="34" charset="0"/>
               </a:rPr>
-              <a:t>: „Tagebucheitrag erstellen“</a:t>
+              <a:t>: „Tagebucheintrag erstellen“</a:t>
             </a:r>
           </a:p>
         </p:txBody>
